--- a/Paper_Prototype.pptx
+++ b/Paper_Prototype.pptx
@@ -5109,7 +5109,7 @@
             <a:pPr algn="ctr"/>
             <a:r>
               <a:rPr lang="de-DE" sz="2000" b="1" u="sng" dirty="0"/>
-              <a:t>Kaufseite</a:t>
+              <a:t>Bestätigungsseite</a:t>
             </a:r>
           </a:p>
         </p:txBody>
@@ -7753,7 +7753,7 @@
         </p:nvCxnSpPr>
         <p:spPr>
           <a:xfrm>
-            <a:off x="8343900" y="2412784"/>
+            <a:off x="8250353" y="2423605"/>
             <a:ext cx="66675" cy="4119958"/>
           </a:xfrm>
           <a:prstGeom prst="line">
@@ -7790,7 +7790,7 @@
         </p:nvSpPr>
         <p:spPr>
           <a:xfrm>
-            <a:off x="8410575" y="2562225"/>
+            <a:off x="8410575" y="2951342"/>
             <a:ext cx="2849394" cy="461665"/>
           </a:xfrm>
           <a:prstGeom prst="rect">
@@ -7825,7 +7825,7 @@
         </p:nvSpPr>
         <p:spPr>
           <a:xfrm>
-            <a:off x="8553450" y="3023890"/>
+            <a:off x="8553450" y="3413007"/>
             <a:ext cx="2209246" cy="1477328"/>
           </a:xfrm>
           <a:prstGeom prst="rect">
@@ -7883,7 +7883,7 @@
         </p:nvCxnSpPr>
         <p:spPr>
           <a:xfrm flipH="1">
-            <a:off x="8553450" y="4028382"/>
+            <a:off x="8553450" y="4417499"/>
             <a:ext cx="2706519" cy="20826"/>
           </a:xfrm>
           <a:prstGeom prst="line">
@@ -7920,7 +7920,7 @@
         </p:nvSpPr>
         <p:spPr>
           <a:xfrm>
-            <a:off x="8533047" y="4652481"/>
+            <a:off x="8533047" y="5041598"/>
             <a:ext cx="2426320" cy="464540"/>
           </a:xfrm>
           <a:prstGeom prst="rect">
@@ -7966,7 +7966,7 @@
         </p:nvSpPr>
         <p:spPr>
           <a:xfrm>
-            <a:off x="8553450" y="4672845"/>
+            <a:off x="8553450" y="5061962"/>
             <a:ext cx="2436276" cy="369332"/>
           </a:xfrm>
           <a:prstGeom prst="rect">
@@ -8430,12 +8430,49 @@
           </a:p>
         </p:txBody>
       </p:sp>
-      <p:sp>
-        <p:nvSpPr>
-          <p:cNvPr id="7" name="Textfeld 6">
-            <a:extLst>
-              <a:ext uri="{FF2B5EF4-FFF2-40B4-BE49-F238E27FC236}">
-                <a16:creationId xmlns:a16="http://schemas.microsoft.com/office/drawing/2014/main" id="{792BD7FD-1138-4F5D-B629-F21F41059816}"/>
+      <p:cxnSp>
+        <p:nvCxnSpPr>
+          <p:cNvPr id="28" name="Gerader Verbinder 27">
+            <a:extLst>
+              <a:ext uri="{FF2B5EF4-FFF2-40B4-BE49-F238E27FC236}">
+                <a16:creationId xmlns:a16="http://schemas.microsoft.com/office/drawing/2014/main" id="{7641F4A3-EC7A-43A1-852F-796E26391567}"/>
+              </a:ext>
+            </a:extLst>
+          </p:cNvPr>
+          <p:cNvCxnSpPr/>
+          <p:nvPr/>
+        </p:nvCxnSpPr>
+        <p:spPr>
+          <a:xfrm>
+            <a:off x="8250409" y="2378128"/>
+            <a:ext cx="66675" cy="4119958"/>
+          </a:xfrm>
+          <a:prstGeom prst="line">
+            <a:avLst/>
+          </a:prstGeom>
+          <a:ln w="57150"/>
+        </p:spPr>
+        <p:style>
+          <a:lnRef idx="1">
+            <a:schemeClr val="accent1"/>
+          </a:lnRef>
+          <a:fillRef idx="0">
+            <a:schemeClr val="accent1"/>
+          </a:fillRef>
+          <a:effectRef idx="0">
+            <a:schemeClr val="accent1"/>
+          </a:effectRef>
+          <a:fontRef idx="minor">
+            <a:schemeClr val="tx1"/>
+          </a:fontRef>
+        </p:style>
+      </p:cxnSp>
+      <p:sp>
+        <p:nvSpPr>
+          <p:cNvPr id="29" name="Textfeld 28">
+            <a:extLst>
+              <a:ext uri="{FF2B5EF4-FFF2-40B4-BE49-F238E27FC236}">
+                <a16:creationId xmlns:a16="http://schemas.microsoft.com/office/drawing/2014/main" id="{CAEC2BEA-80DA-4F94-84C5-AD6A450D23C9}"/>
               </a:ext>
             </a:extLst>
           </p:cNvPr>
@@ -8444,8 +8481,8 @@
         </p:nvSpPr>
         <p:spPr>
           <a:xfrm>
-            <a:off x="8343900" y="2377623"/>
-            <a:ext cx="3403856" cy="461665"/>
+            <a:off x="8410575" y="2906337"/>
+            <a:ext cx="2175131" cy="461665"/>
           </a:xfrm>
           <a:prstGeom prst="rect">
             <a:avLst/>
@@ -8460,17 +8497,112 @@
           <a:p>
             <a:r>
               <a:rPr lang="de-DE" sz="2400" b="1" dirty="0"/>
-              <a:t>Produktübersicht:</a:t>
-            </a:r>
-          </a:p>
-        </p:txBody>
-      </p:sp>
-      <p:sp>
-        <p:nvSpPr>
-          <p:cNvPr id="8" name="Rechteck 7">
-            <a:extLst>
-              <a:ext uri="{FF2B5EF4-FFF2-40B4-BE49-F238E27FC236}">
-                <a16:creationId xmlns:a16="http://schemas.microsoft.com/office/drawing/2014/main" id="{29E6D220-BD47-4B46-9C90-437657DC5297}"/>
+              <a:t>Preisübersicht</a:t>
+            </a:r>
+          </a:p>
+        </p:txBody>
+      </p:sp>
+      <p:sp>
+        <p:nvSpPr>
+          <p:cNvPr id="30" name="Textfeld 29">
+            <a:extLst>
+              <a:ext uri="{FF2B5EF4-FFF2-40B4-BE49-F238E27FC236}">
+                <a16:creationId xmlns:a16="http://schemas.microsoft.com/office/drawing/2014/main" id="{CDF646CD-E800-4A5C-A8A8-891EB074A6CF}"/>
+              </a:ext>
+            </a:extLst>
+          </p:cNvPr>
+          <p:cNvSpPr txBox="1"/>
+          <p:nvPr/>
+        </p:nvSpPr>
+        <p:spPr>
+          <a:xfrm>
+            <a:off x="8553450" y="3368002"/>
+            <a:ext cx="2209246" cy="1477328"/>
+          </a:xfrm>
+          <a:prstGeom prst="rect">
+            <a:avLst/>
+          </a:prstGeom>
+          <a:noFill/>
+        </p:spPr>
+        <p:txBody>
+          <a:bodyPr wrap="square" rtlCol="0">
+            <a:spAutoFit/>
+          </a:bodyPr>
+          <a:lstStyle/>
+          <a:p>
+            <a:r>
+              <a:rPr lang="de-DE" dirty="0"/>
+              <a:t>Preis 1</a:t>
+            </a:r>
+          </a:p>
+          <a:p>
+            <a:r>
+              <a:rPr lang="de-DE" dirty="0"/>
+              <a:t>+ Preis 2</a:t>
+            </a:r>
+          </a:p>
+          <a:p>
+            <a:r>
+              <a:rPr lang="de-DE" dirty="0"/>
+              <a:t>+ Preis 3</a:t>
+            </a:r>
+          </a:p>
+          <a:p>
+            <a:endParaRPr lang="de-DE" dirty="0"/>
+          </a:p>
+          <a:p>
+            <a:r>
+              <a:rPr lang="de-DE" dirty="0"/>
+              <a:t>= Gesamtpreis</a:t>
+            </a:r>
+          </a:p>
+        </p:txBody>
+      </p:sp>
+      <p:cxnSp>
+        <p:nvCxnSpPr>
+          <p:cNvPr id="31" name="Gerader Verbinder 30">
+            <a:extLst>
+              <a:ext uri="{FF2B5EF4-FFF2-40B4-BE49-F238E27FC236}">
+                <a16:creationId xmlns:a16="http://schemas.microsoft.com/office/drawing/2014/main" id="{60F17249-BA21-407A-9C70-3B09221CAAAE}"/>
+              </a:ext>
+            </a:extLst>
+          </p:cNvPr>
+          <p:cNvCxnSpPr>
+            <a:cxnSpLocks/>
+          </p:cNvCxnSpPr>
+          <p:nvPr/>
+        </p:nvCxnSpPr>
+        <p:spPr>
+          <a:xfrm flipH="1">
+            <a:off x="8553450" y="4372494"/>
+            <a:ext cx="2706519" cy="20826"/>
+          </a:xfrm>
+          <a:prstGeom prst="line">
+            <a:avLst/>
+          </a:prstGeom>
+          <a:ln w="28575"/>
+        </p:spPr>
+        <p:style>
+          <a:lnRef idx="1">
+            <a:schemeClr val="accent1"/>
+          </a:lnRef>
+          <a:fillRef idx="0">
+            <a:schemeClr val="accent1"/>
+          </a:fillRef>
+          <a:effectRef idx="0">
+            <a:schemeClr val="accent1"/>
+          </a:effectRef>
+          <a:fontRef idx="minor">
+            <a:schemeClr val="tx1"/>
+          </a:fontRef>
+        </p:style>
+      </p:cxnSp>
+      <p:sp>
+        <p:nvSpPr>
+          <p:cNvPr id="32" name="Rechteck 31">
+            <a:extLst>
+              <a:ext uri="{FF2B5EF4-FFF2-40B4-BE49-F238E27FC236}">
+                <a16:creationId xmlns:a16="http://schemas.microsoft.com/office/drawing/2014/main" id="{6EBAC602-115A-4263-BF94-2F0606045503}"/>
               </a:ext>
             </a:extLst>
           </p:cNvPr>
@@ -8479,8 +8611,8 @@
         </p:nvSpPr>
         <p:spPr>
           <a:xfrm>
-            <a:off x="8451880" y="2837291"/>
-            <a:ext cx="1354197" cy="486413"/>
+            <a:off x="8533047" y="4996593"/>
+            <a:ext cx="2426320" cy="464540"/>
           </a:xfrm>
           <a:prstGeom prst="rect">
             <a:avLst/>
@@ -8507,16 +8639,16 @@
           <a:lstStyle/>
           <a:p>
             <a:pPr algn="ctr"/>
-            <a:endParaRPr lang="de-DE" dirty="0"/>
-          </a:p>
-        </p:txBody>
-      </p:sp>
-      <p:sp>
-        <p:nvSpPr>
-          <p:cNvPr id="11" name="Textfeld 10">
-            <a:extLst>
-              <a:ext uri="{FF2B5EF4-FFF2-40B4-BE49-F238E27FC236}">
-                <a16:creationId xmlns:a16="http://schemas.microsoft.com/office/drawing/2014/main" id="{4C00EB40-8F9D-43FF-A542-AE5327E64D36}"/>
+            <a:endParaRPr lang="de-DE"/>
+          </a:p>
+        </p:txBody>
+      </p:sp>
+      <p:sp>
+        <p:nvSpPr>
+          <p:cNvPr id="33" name="Textfeld 32">
+            <a:extLst>
+              <a:ext uri="{FF2B5EF4-FFF2-40B4-BE49-F238E27FC236}">
+                <a16:creationId xmlns:a16="http://schemas.microsoft.com/office/drawing/2014/main" id="{7BBEACC3-AE12-453C-BB18-38C86124DA49}"/>
               </a:ext>
             </a:extLst>
           </p:cNvPr>
@@ -8525,8 +8657,8 @@
         </p:nvSpPr>
         <p:spPr>
           <a:xfrm>
-            <a:off x="8421521" y="2882558"/>
-            <a:ext cx="1451231" cy="338554"/>
+            <a:off x="8553450" y="5016957"/>
+            <a:ext cx="2436276" cy="369332"/>
           </a:xfrm>
           <a:prstGeom prst="rect">
             <a:avLst/>
@@ -8541,421 +8673,8 @@
           <a:p>
             <a:pPr algn="ctr"/>
             <a:r>
-              <a:rPr lang="de-DE" sz="1600" dirty="0"/>
-              <a:t>Produktbild 1</a:t>
-            </a:r>
-          </a:p>
-        </p:txBody>
-      </p:sp>
-      <p:sp>
-        <p:nvSpPr>
-          <p:cNvPr id="12" name="Textfeld 11">
-            <a:extLst>
-              <a:ext uri="{FF2B5EF4-FFF2-40B4-BE49-F238E27FC236}">
-                <a16:creationId xmlns:a16="http://schemas.microsoft.com/office/drawing/2014/main" id="{E1D13A36-3E14-43CE-A731-023CA8330507}"/>
-              </a:ext>
-            </a:extLst>
-          </p:cNvPr>
-          <p:cNvSpPr txBox="1"/>
-          <p:nvPr/>
-        </p:nvSpPr>
-        <p:spPr>
-          <a:xfrm>
-            <a:off x="9799767" y="2784706"/>
-            <a:ext cx="2405855" cy="523220"/>
-          </a:xfrm>
-          <a:prstGeom prst="rect">
-            <a:avLst/>
-          </a:prstGeom>
-          <a:noFill/>
-        </p:spPr>
-        <p:txBody>
-          <a:bodyPr wrap="square" rtlCol="0">
-            <a:spAutoFit/>
-          </a:bodyPr>
-          <a:lstStyle/>
-          <a:p>
-            <a:r>
-              <a:rPr lang="de-DE" sz="1400" b="1" dirty="0"/>
-              <a:t>Produktname</a:t>
-            </a:r>
-          </a:p>
-          <a:p>
-            <a:r>
-              <a:rPr lang="de-DE" sz="1400" dirty="0"/>
-              <a:t>Produktbeschreibung</a:t>
-            </a:r>
-          </a:p>
-        </p:txBody>
-      </p:sp>
-      <p:sp>
-        <p:nvSpPr>
-          <p:cNvPr id="16" name="Textfeld 15">
-            <a:extLst>
-              <a:ext uri="{FF2B5EF4-FFF2-40B4-BE49-F238E27FC236}">
-                <a16:creationId xmlns:a16="http://schemas.microsoft.com/office/drawing/2014/main" id="{24B22D6F-43EC-45B2-B830-0F096BEBF03B}"/>
-              </a:ext>
-            </a:extLst>
-          </p:cNvPr>
-          <p:cNvSpPr txBox="1"/>
-          <p:nvPr/>
-        </p:nvSpPr>
-        <p:spPr>
-          <a:xfrm>
-            <a:off x="9799768" y="3487621"/>
-            <a:ext cx="1829980" cy="523220"/>
-          </a:xfrm>
-          <a:prstGeom prst="rect">
-            <a:avLst/>
-          </a:prstGeom>
-          <a:noFill/>
-        </p:spPr>
-        <p:txBody>
-          <a:bodyPr wrap="square" rtlCol="0">
-            <a:spAutoFit/>
-          </a:bodyPr>
-          <a:lstStyle/>
-          <a:p>
-            <a:r>
-              <a:rPr lang="de-DE" sz="1400" b="1" dirty="0"/>
-              <a:t>Produktname</a:t>
-            </a:r>
-          </a:p>
-          <a:p>
-            <a:r>
-              <a:rPr lang="de-DE" sz="1400" dirty="0"/>
-              <a:t>Produktbeschreibung</a:t>
-            </a:r>
-          </a:p>
-        </p:txBody>
-      </p:sp>
-      <p:cxnSp>
-        <p:nvCxnSpPr>
-          <p:cNvPr id="28" name="Gerader Verbinder 27">
-            <a:extLst>
-              <a:ext uri="{FF2B5EF4-FFF2-40B4-BE49-F238E27FC236}">
-                <a16:creationId xmlns:a16="http://schemas.microsoft.com/office/drawing/2014/main" id="{7641F4A3-EC7A-43A1-852F-796E26391567}"/>
-              </a:ext>
-            </a:extLst>
-          </p:cNvPr>
-          <p:cNvCxnSpPr/>
-          <p:nvPr/>
-        </p:nvCxnSpPr>
-        <p:spPr>
-          <a:xfrm>
-            <a:off x="8343900" y="2412784"/>
-            <a:ext cx="66675" cy="4119958"/>
-          </a:xfrm>
-          <a:prstGeom prst="line">
-            <a:avLst/>
-          </a:prstGeom>
-          <a:ln w="57150"/>
-        </p:spPr>
-        <p:style>
-          <a:lnRef idx="1">
-            <a:schemeClr val="accent1"/>
-          </a:lnRef>
-          <a:fillRef idx="0">
-            <a:schemeClr val="accent1"/>
-          </a:fillRef>
-          <a:effectRef idx="0">
-            <a:schemeClr val="accent1"/>
-          </a:effectRef>
-          <a:fontRef idx="minor">
-            <a:schemeClr val="tx1"/>
-          </a:fontRef>
-        </p:style>
-      </p:cxnSp>
-      <p:sp>
-        <p:nvSpPr>
-          <p:cNvPr id="29" name="Textfeld 28">
-            <a:extLst>
-              <a:ext uri="{FF2B5EF4-FFF2-40B4-BE49-F238E27FC236}">
-                <a16:creationId xmlns:a16="http://schemas.microsoft.com/office/drawing/2014/main" id="{CAEC2BEA-80DA-4F94-84C5-AD6A450D23C9}"/>
-              </a:ext>
-            </a:extLst>
-          </p:cNvPr>
-          <p:cNvSpPr txBox="1"/>
-          <p:nvPr/>
-        </p:nvSpPr>
-        <p:spPr>
-          <a:xfrm>
-            <a:off x="8423544" y="3882119"/>
-            <a:ext cx="2175131" cy="461665"/>
-          </a:xfrm>
-          <a:prstGeom prst="rect">
-            <a:avLst/>
-          </a:prstGeom>
-          <a:noFill/>
-        </p:spPr>
-        <p:txBody>
-          <a:bodyPr wrap="square" rtlCol="0">
-            <a:spAutoFit/>
-          </a:bodyPr>
-          <a:lstStyle/>
-          <a:p>
-            <a:r>
-              <a:rPr lang="de-DE" sz="2400" b="1" dirty="0"/>
-              <a:t>Preisübersicht</a:t>
-            </a:r>
-          </a:p>
-        </p:txBody>
-      </p:sp>
-      <p:sp>
-        <p:nvSpPr>
-          <p:cNvPr id="30" name="Textfeld 29">
-            <a:extLst>
-              <a:ext uri="{FF2B5EF4-FFF2-40B4-BE49-F238E27FC236}">
-                <a16:creationId xmlns:a16="http://schemas.microsoft.com/office/drawing/2014/main" id="{CDF646CD-E800-4A5C-A8A8-891EB074A6CF}"/>
-              </a:ext>
-            </a:extLst>
-          </p:cNvPr>
-          <p:cNvSpPr txBox="1"/>
-          <p:nvPr/>
-        </p:nvSpPr>
-        <p:spPr>
-          <a:xfrm>
-            <a:off x="8566419" y="4343784"/>
-            <a:ext cx="2209246" cy="1477328"/>
-          </a:xfrm>
-          <a:prstGeom prst="rect">
-            <a:avLst/>
-          </a:prstGeom>
-          <a:noFill/>
-        </p:spPr>
-        <p:txBody>
-          <a:bodyPr wrap="square" rtlCol="0">
-            <a:spAutoFit/>
-          </a:bodyPr>
-          <a:lstStyle/>
-          <a:p>
-            <a:r>
-              <a:rPr lang="de-DE" dirty="0"/>
-              <a:t>Preis 1</a:t>
-            </a:r>
-          </a:p>
-          <a:p>
-            <a:r>
-              <a:rPr lang="de-DE" dirty="0"/>
-              <a:t>+ Preis 2</a:t>
-            </a:r>
-          </a:p>
-          <a:p>
-            <a:r>
-              <a:rPr lang="de-DE" dirty="0"/>
-              <a:t>+ Preis 3</a:t>
-            </a:r>
-          </a:p>
-          <a:p>
-            <a:endParaRPr lang="de-DE" dirty="0"/>
-          </a:p>
-          <a:p>
-            <a:r>
-              <a:rPr lang="de-DE" dirty="0"/>
-              <a:t>= Gesamtpreis</a:t>
-            </a:r>
-          </a:p>
-        </p:txBody>
-      </p:sp>
-      <p:cxnSp>
-        <p:nvCxnSpPr>
-          <p:cNvPr id="31" name="Gerader Verbinder 30">
-            <a:extLst>
-              <a:ext uri="{FF2B5EF4-FFF2-40B4-BE49-F238E27FC236}">
-                <a16:creationId xmlns:a16="http://schemas.microsoft.com/office/drawing/2014/main" id="{60F17249-BA21-407A-9C70-3B09221CAAAE}"/>
-              </a:ext>
-            </a:extLst>
-          </p:cNvPr>
-          <p:cNvCxnSpPr>
-            <a:cxnSpLocks/>
-          </p:cNvCxnSpPr>
-          <p:nvPr/>
-        </p:nvCxnSpPr>
-        <p:spPr>
-          <a:xfrm flipH="1">
-            <a:off x="8566419" y="5348276"/>
-            <a:ext cx="2706519" cy="20826"/>
-          </a:xfrm>
-          <a:prstGeom prst="line">
-            <a:avLst/>
-          </a:prstGeom>
-          <a:ln w="28575"/>
-        </p:spPr>
-        <p:style>
-          <a:lnRef idx="1">
-            <a:schemeClr val="accent1"/>
-          </a:lnRef>
-          <a:fillRef idx="0">
-            <a:schemeClr val="accent1"/>
-          </a:fillRef>
-          <a:effectRef idx="0">
-            <a:schemeClr val="accent1"/>
-          </a:effectRef>
-          <a:fontRef idx="minor">
-            <a:schemeClr val="tx1"/>
-          </a:fontRef>
-        </p:style>
-      </p:cxnSp>
-      <p:sp>
-        <p:nvSpPr>
-          <p:cNvPr id="32" name="Rechteck 31">
-            <a:extLst>
-              <a:ext uri="{FF2B5EF4-FFF2-40B4-BE49-F238E27FC236}">
-                <a16:creationId xmlns:a16="http://schemas.microsoft.com/office/drawing/2014/main" id="{6EBAC602-115A-4263-BF94-2F0606045503}"/>
-              </a:ext>
-            </a:extLst>
-          </p:cNvPr>
-          <p:cNvSpPr/>
-          <p:nvPr/>
-        </p:nvSpPr>
-        <p:spPr>
-          <a:xfrm>
-            <a:off x="8546016" y="5972375"/>
-            <a:ext cx="2426320" cy="464540"/>
-          </a:xfrm>
-          <a:prstGeom prst="rect">
-            <a:avLst/>
-          </a:prstGeom>
-        </p:spPr>
-        <p:style>
-          <a:lnRef idx="2">
-            <a:schemeClr val="accent1">
-              <a:shade val="50000"/>
-            </a:schemeClr>
-          </a:lnRef>
-          <a:fillRef idx="1">
-            <a:schemeClr val="accent1"/>
-          </a:fillRef>
-          <a:effectRef idx="0">
-            <a:schemeClr val="accent1"/>
-          </a:effectRef>
-          <a:fontRef idx="minor">
-            <a:schemeClr val="lt1"/>
-          </a:fontRef>
-        </p:style>
-        <p:txBody>
-          <a:bodyPr rtlCol="0" anchor="ctr"/>
-          <a:lstStyle/>
-          <a:p>
-            <a:pPr algn="ctr"/>
-            <a:endParaRPr lang="de-DE"/>
-          </a:p>
-        </p:txBody>
-      </p:sp>
-      <p:sp>
-        <p:nvSpPr>
-          <p:cNvPr id="33" name="Textfeld 32">
-            <a:extLst>
-              <a:ext uri="{FF2B5EF4-FFF2-40B4-BE49-F238E27FC236}">
-                <a16:creationId xmlns:a16="http://schemas.microsoft.com/office/drawing/2014/main" id="{7BBEACC3-AE12-453C-BB18-38C86124DA49}"/>
-              </a:ext>
-            </a:extLst>
-          </p:cNvPr>
-          <p:cNvSpPr txBox="1"/>
-          <p:nvPr/>
-        </p:nvSpPr>
-        <p:spPr>
-          <a:xfrm>
-            <a:off x="8566419" y="5992739"/>
-            <a:ext cx="2436276" cy="369332"/>
-          </a:xfrm>
-          <a:prstGeom prst="rect">
-            <a:avLst/>
-          </a:prstGeom>
-          <a:noFill/>
-        </p:spPr>
-        <p:txBody>
-          <a:bodyPr wrap="square" rtlCol="0">
-            <a:spAutoFit/>
-          </a:bodyPr>
-          <a:lstStyle/>
-          <a:p>
-            <a:pPr algn="ctr"/>
-            <a:r>
               <a:rPr lang="de-DE" dirty="0"/>
               <a:t>Jetzt kaufen</a:t>
-            </a:r>
-          </a:p>
-        </p:txBody>
-      </p:sp>
-      <p:sp>
-        <p:nvSpPr>
-          <p:cNvPr id="50" name="Rechteck 49">
-            <a:extLst>
-              <a:ext uri="{FF2B5EF4-FFF2-40B4-BE49-F238E27FC236}">
-                <a16:creationId xmlns:a16="http://schemas.microsoft.com/office/drawing/2014/main" id="{8D0719F7-2FF0-4CE4-8557-28CBB3C5BE7A}"/>
-              </a:ext>
-            </a:extLst>
-          </p:cNvPr>
-          <p:cNvSpPr/>
-          <p:nvPr/>
-        </p:nvSpPr>
-        <p:spPr>
-          <a:xfrm>
-            <a:off x="8451880" y="3474220"/>
-            <a:ext cx="1354197" cy="486413"/>
-          </a:xfrm>
-          <a:prstGeom prst="rect">
-            <a:avLst/>
-          </a:prstGeom>
-        </p:spPr>
-        <p:style>
-          <a:lnRef idx="2">
-            <a:schemeClr val="accent1">
-              <a:shade val="50000"/>
-            </a:schemeClr>
-          </a:lnRef>
-          <a:fillRef idx="1">
-            <a:schemeClr val="accent1"/>
-          </a:fillRef>
-          <a:effectRef idx="0">
-            <a:schemeClr val="accent1"/>
-          </a:effectRef>
-          <a:fontRef idx="minor">
-            <a:schemeClr val="lt1"/>
-          </a:fontRef>
-        </p:style>
-        <p:txBody>
-          <a:bodyPr rtlCol="0" anchor="ctr"/>
-          <a:lstStyle/>
-          <a:p>
-            <a:pPr algn="ctr"/>
-            <a:endParaRPr lang="de-DE" dirty="0"/>
-          </a:p>
-        </p:txBody>
-      </p:sp>
-      <p:sp>
-        <p:nvSpPr>
-          <p:cNvPr id="51" name="Textfeld 50">
-            <a:extLst>
-              <a:ext uri="{FF2B5EF4-FFF2-40B4-BE49-F238E27FC236}">
-                <a16:creationId xmlns:a16="http://schemas.microsoft.com/office/drawing/2014/main" id="{B5AE9CBE-9AEA-4E8D-9603-57C1E1CFE2D2}"/>
-              </a:ext>
-            </a:extLst>
-          </p:cNvPr>
-          <p:cNvSpPr txBox="1"/>
-          <p:nvPr/>
-        </p:nvSpPr>
-        <p:spPr>
-          <a:xfrm>
-            <a:off x="8421521" y="3519487"/>
-            <a:ext cx="1451231" cy="338554"/>
-          </a:xfrm>
-          <a:prstGeom prst="rect">
-            <a:avLst/>
-          </a:prstGeom>
-          <a:noFill/>
-        </p:spPr>
-        <p:txBody>
-          <a:bodyPr wrap="square" rtlCol="0">
-            <a:spAutoFit/>
-          </a:bodyPr>
-          <a:lstStyle/>
-          <a:p>
-            <a:pPr algn="ctr"/>
-            <a:r>
-              <a:rPr lang="de-DE" sz="1600" dirty="0"/>
-              <a:t>Produktbild 2</a:t>
             </a:r>
           </a:p>
         </p:txBody>
@@ -9761,7 +9480,7 @@
           <a:p>
             <a:r>
               <a:rPr lang="de-DE" u="sng" dirty="0"/>
-              <a:t>Kaufseite</a:t>
+              <a:t>Bestätigungsseite</a:t>
             </a:r>
           </a:p>
         </p:txBody>

--- a/Paper_Prototype.pptx
+++ b/Paper_Prototype.pptx
@@ -286,7 +286,7 @@
           <a:p>
             <a:fld id="{6A04BA6F-B985-46BD-A498-77D94F45C76B}" type="datetimeFigureOut">
               <a:rPr lang="de-DE" smtClean="0"/>
-              <a:t>15.01.2021</a:t>
+              <a:t>01.02.2021</a:t>
             </a:fld>
             <a:endParaRPr lang="de-DE"/>
           </a:p>
@@ -616,7 +616,7 @@
           <a:p>
             <a:fld id="{6A04BA6F-B985-46BD-A498-77D94F45C76B}" type="datetimeFigureOut">
               <a:rPr lang="de-DE" smtClean="0"/>
-              <a:t>15.01.2021</a:t>
+              <a:t>01.02.2021</a:t>
             </a:fld>
             <a:endParaRPr lang="de-DE"/>
           </a:p>
@@ -796,7 +796,7 @@
           <a:p>
             <a:fld id="{6A04BA6F-B985-46BD-A498-77D94F45C76B}" type="datetimeFigureOut">
               <a:rPr lang="de-DE" smtClean="0"/>
-              <a:t>15.01.2021</a:t>
+              <a:t>01.02.2021</a:t>
             </a:fld>
             <a:endParaRPr lang="de-DE"/>
           </a:p>
@@ -966,7 +966,7 @@
           <a:p>
             <a:fld id="{6A04BA6F-B985-46BD-A498-77D94F45C76B}" type="datetimeFigureOut">
               <a:rPr lang="de-DE" smtClean="0"/>
-              <a:t>15.01.2021</a:t>
+              <a:t>01.02.2021</a:t>
             </a:fld>
             <a:endParaRPr lang="de-DE"/>
           </a:p>
@@ -1243,7 +1243,7 @@
           <a:p>
             <a:fld id="{6A04BA6F-B985-46BD-A498-77D94F45C76B}" type="datetimeFigureOut">
               <a:rPr lang="de-DE" smtClean="0"/>
-              <a:t>15.01.2021</a:t>
+              <a:t>01.02.2021</a:t>
             </a:fld>
             <a:endParaRPr lang="de-DE"/>
           </a:p>
@@ -1637,7 +1637,7 @@
           <a:p>
             <a:fld id="{6A04BA6F-B985-46BD-A498-77D94F45C76B}" type="datetimeFigureOut">
               <a:rPr lang="de-DE" smtClean="0"/>
-              <a:t>15.01.2021</a:t>
+              <a:t>01.02.2021</a:t>
             </a:fld>
             <a:endParaRPr lang="de-DE"/>
           </a:p>
@@ -2114,7 +2114,7 @@
           <a:p>
             <a:fld id="{6A04BA6F-B985-46BD-A498-77D94F45C76B}" type="datetimeFigureOut">
               <a:rPr lang="de-DE" smtClean="0"/>
-              <a:t>15.01.2021</a:t>
+              <a:t>01.02.2021</a:t>
             </a:fld>
             <a:endParaRPr lang="de-DE"/>
           </a:p>
@@ -2232,7 +2232,7 @@
           <a:p>
             <a:fld id="{6A04BA6F-B985-46BD-A498-77D94F45C76B}" type="datetimeFigureOut">
               <a:rPr lang="de-DE" smtClean="0"/>
-              <a:t>15.01.2021</a:t>
+              <a:t>01.02.2021</a:t>
             </a:fld>
             <a:endParaRPr lang="de-DE"/>
           </a:p>
@@ -2327,7 +2327,7 @@
           <a:p>
             <a:fld id="{6A04BA6F-B985-46BD-A498-77D94F45C76B}" type="datetimeFigureOut">
               <a:rPr lang="de-DE" smtClean="0"/>
-              <a:t>15.01.2021</a:t>
+              <a:t>01.02.2021</a:t>
             </a:fld>
             <a:endParaRPr lang="de-DE"/>
           </a:p>
@@ -2673,7 +2673,7 @@
           <a:p>
             <a:fld id="{6A04BA6F-B985-46BD-A498-77D94F45C76B}" type="datetimeFigureOut">
               <a:rPr lang="de-DE" smtClean="0"/>
-              <a:t>15.01.2021</a:t>
+              <a:t>01.02.2021</a:t>
             </a:fld>
             <a:endParaRPr lang="de-DE"/>
           </a:p>
@@ -3061,7 +3061,7 @@
           <a:p>
             <a:fld id="{6A04BA6F-B985-46BD-A498-77D94F45C76B}" type="datetimeFigureOut">
               <a:rPr lang="de-DE" smtClean="0"/>
-              <a:t>15.01.2021</a:t>
+              <a:t>01.02.2021</a:t>
             </a:fld>
             <a:endParaRPr lang="de-DE"/>
           </a:p>
@@ -3339,7 +3339,7 @@
           <a:p>
             <a:fld id="{6A04BA6F-B985-46BD-A498-77D94F45C76B}" type="datetimeFigureOut">
               <a:rPr lang="de-DE" smtClean="0"/>
-              <a:t>15.01.2021</a:t>
+              <a:t>01.02.2021</a:t>
             </a:fld>
             <a:endParaRPr lang="de-DE"/>
           </a:p>
@@ -5602,7 +5602,7 @@
             </a:r>
             <a:r>
               <a:rPr lang="de-DE" sz="3200" dirty="0" err="1"/>
-              <a:t>Gastrolandia</a:t>
+              <a:t>Vinolandia</a:t>
             </a:r>
             <a:endParaRPr lang="de-DE" sz="3200" dirty="0"/>
           </a:p>
@@ -5643,7 +5643,7 @@
             </a:r>
             <a:r>
               <a:rPr lang="de-DE" dirty="0" err="1"/>
-              <a:t>Gastrolandia</a:t>
+              <a:t>Vinolandia</a:t>
             </a:r>
             <a:r>
               <a:rPr lang="de-DE" dirty="0"/>
@@ -9619,53 +9619,6 @@
           </a:p>
         </p:txBody>
       </p:sp>
-      <p:pic>
-        <p:nvPicPr>
-          <p:cNvPr id="1026" name="Picture 2" descr="Feuerwerk Bild - Fireworks2">
-            <a:extLst>
-              <a:ext uri="{FF2B5EF4-FFF2-40B4-BE49-F238E27FC236}">
-                <a16:creationId xmlns:a16="http://schemas.microsoft.com/office/drawing/2014/main" id="{8B6D1832-8AF0-4A56-B199-E29DFEEBA514}"/>
-              </a:ext>
-            </a:extLst>
-          </p:cNvPr>
-          <p:cNvPicPr>
-            <a:picLocks noChangeAspect="1" noChangeArrowheads="1"/>
-          </p:cNvPicPr>
-          <p:nvPr/>
-        </p:nvPicPr>
-        <p:blipFill>
-          <a:blip r:embed="rId2">
-            <a:extLst>
-              <a:ext uri="{28A0092B-C50C-407E-A947-70E740481C1C}">
-                <a14:useLocalDpi xmlns:a14="http://schemas.microsoft.com/office/drawing/2010/main" val="0"/>
-              </a:ext>
-            </a:extLst>
-          </a:blip>
-          <a:srcRect/>
-          <a:stretch>
-            <a:fillRect/>
-          </a:stretch>
-        </p:blipFill>
-        <p:spPr bwMode="auto">
-          <a:xfrm>
-            <a:off x="4533899" y="2438435"/>
-            <a:ext cx="3838575" cy="2854739"/>
-          </a:xfrm>
-          <a:prstGeom prst="rect">
-            <a:avLst/>
-          </a:prstGeom>
-          <a:noFill/>
-          <a:extLst>
-            <a:ext uri="{909E8E84-426E-40DD-AFC4-6F175D3DCCD1}">
-              <a14:hiddenFill xmlns:a14="http://schemas.microsoft.com/office/drawing/2010/main">
-                <a:solidFill>
-                  <a:srgbClr val="FFFFFF"/>
-                </a:solidFill>
-              </a14:hiddenFill>
-            </a:ext>
-          </a:extLst>
-        </p:spPr>
-      </p:pic>
       <p:sp>
         <p:nvSpPr>
           <p:cNvPr id="38" name="Rechteck 37">
@@ -9748,6 +9701,42 @@
           </a:p>
         </p:txBody>
       </p:sp>
+      <p:pic>
+        <p:nvPicPr>
+          <p:cNvPr id="7" name="Grafik 6" descr="Ein Bild, das Wein, drinnen, rot, Glas enthält.&#10;&#10;Automatisch generierte Beschreibung">
+            <a:extLst>
+              <a:ext uri="{FF2B5EF4-FFF2-40B4-BE49-F238E27FC236}">
+                <a16:creationId xmlns:a16="http://schemas.microsoft.com/office/drawing/2014/main" id="{185C619B-DED4-4748-B16F-1765970E6474}"/>
+              </a:ext>
+            </a:extLst>
+          </p:cNvPr>
+          <p:cNvPicPr>
+            <a:picLocks noChangeAspect="1"/>
+          </p:cNvPicPr>
+          <p:nvPr/>
+        </p:nvPicPr>
+        <p:blipFill>
+          <a:blip r:embed="rId2">
+            <a:extLst>
+              <a:ext uri="{28A0092B-C50C-407E-A947-70E740481C1C}">
+                <a14:useLocalDpi xmlns:a14="http://schemas.microsoft.com/office/drawing/2010/main" val="0"/>
+              </a:ext>
+            </a:extLst>
+          </a:blip>
+          <a:stretch>
+            <a:fillRect/>
+          </a:stretch>
+        </p:blipFill>
+        <p:spPr>
+          <a:xfrm>
+            <a:off x="5077034" y="2628071"/>
+            <a:ext cx="2743205" cy="2743205"/>
+          </a:xfrm>
+          <a:prstGeom prst="rect">
+            <a:avLst/>
+          </a:prstGeom>
+        </p:spPr>
+      </p:pic>
     </p:spTree>
     <p:extLst>
       <p:ext uri="{BB962C8B-B14F-4D97-AF65-F5344CB8AC3E}">

--- a/Paper_Prototype.pptx
+++ b/Paper_Prototype.pptx
@@ -286,7 +286,7 @@
           <a:p>
             <a:fld id="{6A04BA6F-B985-46BD-A498-77D94F45C76B}" type="datetimeFigureOut">
               <a:rPr lang="de-DE" smtClean="0"/>
-              <a:t>01.02.2021</a:t>
+              <a:t>08.02.2021</a:t>
             </a:fld>
             <a:endParaRPr lang="de-DE"/>
           </a:p>
@@ -616,7 +616,7 @@
           <a:p>
             <a:fld id="{6A04BA6F-B985-46BD-A498-77D94F45C76B}" type="datetimeFigureOut">
               <a:rPr lang="de-DE" smtClean="0"/>
-              <a:t>01.02.2021</a:t>
+              <a:t>08.02.2021</a:t>
             </a:fld>
             <a:endParaRPr lang="de-DE"/>
           </a:p>
@@ -796,7 +796,7 @@
           <a:p>
             <a:fld id="{6A04BA6F-B985-46BD-A498-77D94F45C76B}" type="datetimeFigureOut">
               <a:rPr lang="de-DE" smtClean="0"/>
-              <a:t>01.02.2021</a:t>
+              <a:t>08.02.2021</a:t>
             </a:fld>
             <a:endParaRPr lang="de-DE"/>
           </a:p>
@@ -966,7 +966,7 @@
           <a:p>
             <a:fld id="{6A04BA6F-B985-46BD-A498-77D94F45C76B}" type="datetimeFigureOut">
               <a:rPr lang="de-DE" smtClean="0"/>
-              <a:t>01.02.2021</a:t>
+              <a:t>08.02.2021</a:t>
             </a:fld>
             <a:endParaRPr lang="de-DE"/>
           </a:p>
@@ -1243,7 +1243,7 @@
           <a:p>
             <a:fld id="{6A04BA6F-B985-46BD-A498-77D94F45C76B}" type="datetimeFigureOut">
               <a:rPr lang="de-DE" smtClean="0"/>
-              <a:t>01.02.2021</a:t>
+              <a:t>08.02.2021</a:t>
             </a:fld>
             <a:endParaRPr lang="de-DE"/>
           </a:p>
@@ -1637,7 +1637,7 @@
           <a:p>
             <a:fld id="{6A04BA6F-B985-46BD-A498-77D94F45C76B}" type="datetimeFigureOut">
               <a:rPr lang="de-DE" smtClean="0"/>
-              <a:t>01.02.2021</a:t>
+              <a:t>08.02.2021</a:t>
             </a:fld>
             <a:endParaRPr lang="de-DE"/>
           </a:p>
@@ -2114,7 +2114,7 @@
           <a:p>
             <a:fld id="{6A04BA6F-B985-46BD-A498-77D94F45C76B}" type="datetimeFigureOut">
               <a:rPr lang="de-DE" smtClean="0"/>
-              <a:t>01.02.2021</a:t>
+              <a:t>08.02.2021</a:t>
             </a:fld>
             <a:endParaRPr lang="de-DE"/>
           </a:p>
@@ -2232,7 +2232,7 @@
           <a:p>
             <a:fld id="{6A04BA6F-B985-46BD-A498-77D94F45C76B}" type="datetimeFigureOut">
               <a:rPr lang="de-DE" smtClean="0"/>
-              <a:t>01.02.2021</a:t>
+              <a:t>08.02.2021</a:t>
             </a:fld>
             <a:endParaRPr lang="de-DE"/>
           </a:p>
@@ -2327,7 +2327,7 @@
           <a:p>
             <a:fld id="{6A04BA6F-B985-46BD-A498-77D94F45C76B}" type="datetimeFigureOut">
               <a:rPr lang="de-DE" smtClean="0"/>
-              <a:t>01.02.2021</a:t>
+              <a:t>08.02.2021</a:t>
             </a:fld>
             <a:endParaRPr lang="de-DE"/>
           </a:p>
@@ -2673,7 +2673,7 @@
           <a:p>
             <a:fld id="{6A04BA6F-B985-46BD-A498-77D94F45C76B}" type="datetimeFigureOut">
               <a:rPr lang="de-DE" smtClean="0"/>
-              <a:t>01.02.2021</a:t>
+              <a:t>08.02.2021</a:t>
             </a:fld>
             <a:endParaRPr lang="de-DE"/>
           </a:p>
@@ -3061,7 +3061,7 @@
           <a:p>
             <a:fld id="{6A04BA6F-B985-46BD-A498-77D94F45C76B}" type="datetimeFigureOut">
               <a:rPr lang="de-DE" smtClean="0"/>
-              <a:t>01.02.2021</a:t>
+              <a:t>08.02.2021</a:t>
             </a:fld>
             <a:endParaRPr lang="de-DE"/>
           </a:p>
@@ -3339,7 +3339,7 @@
           <a:p>
             <a:fld id="{6A04BA6F-B985-46BD-A498-77D94F45C76B}" type="datetimeFigureOut">
               <a:rPr lang="de-DE" smtClean="0"/>
-              <a:t>01.02.2021</a:t>
+              <a:t>08.02.2021</a:t>
             </a:fld>
             <a:endParaRPr lang="de-DE"/>
           </a:p>
@@ -4092,10 +4092,9 @@
           <a:p>
             <a:pPr algn="ctr"/>
             <a:r>
-              <a:rPr lang="de-DE" sz="2000" b="1" u="sng" dirty="0" err="1"/>
-              <a:t>Produktseit</a:t>
-            </a:r>
-            <a:endParaRPr lang="de-DE" sz="2000" b="1" u="sng" dirty="0"/>
+              <a:rPr lang="de-DE" sz="2000" b="1" u="sng" dirty="0"/>
+              <a:t>Produktseite</a:t>
+            </a:r>
           </a:p>
         </p:txBody>
       </p:sp>
